--- a/docs/presentation/EDocs_presentation_short.pptx
+++ b/docs/presentation/EDocs_presentation_short.pptx
@@ -3625,7 +3625,7 @@
             </a:r>
             <a:r>
               <a:rPr lang="en-US" sz="2400" dirty="0"/>
-              <a:t> stores all documents received from another users (companies or persons) in a simple and personalized way.</a:t>
+              <a:t> stores all documents received from another users in the same place.</a:t>
             </a:r>
           </a:p>
           <a:p>
@@ -3646,7 +3646,7 @@
             </a:r>
             <a:r>
               <a:rPr lang="en-US" sz="2400" dirty="0"/>
-              <a:t> all documents will be in the same place and you’ll be able to view them, download them or resend to other users.</a:t>
+              <a:t> you can sign documents and request to receive a signed response.</a:t>
             </a:r>
           </a:p>
           <a:p>
@@ -3663,11 +3663,45 @@
             </a:r>
             <a:r>
               <a:rPr lang="en-US" sz="2400" dirty="0"/>
-              <a:t> allows you to decide who can send you documents, having total control to accept or reject documents from </a:t>
+              <a:t> allows you to decide from who can you receive documents.</a:t>
+            </a:r>
+          </a:p>
+          <a:p>
+            <a:pPr marL="0" indent="0" algn="just">
+              <a:buNone/>
+            </a:pPr>
+            <a:r>
+              <a:rPr lang="en-US" sz="2400" b="1" dirty="0">
+                <a:solidFill>
+                  <a:srgbClr val="FF5E00"/>
+                </a:solidFill>
+              </a:rPr>
+              <a:t>eDocs </a:t>
+            </a:r>
+            <a:r>
+              <a:rPr lang="en-US" sz="2400" dirty="0"/>
+              <a:t>create documents that can be read by machines.</a:t>
+            </a:r>
+          </a:p>
+          <a:p>
+            <a:pPr marL="0" indent="0" algn="just">
+              <a:buNone/>
+            </a:pPr>
+            <a:r>
+              <a:rPr lang="en-US" sz="2400" b="1" dirty="0">
+                <a:solidFill>
+                  <a:srgbClr val="FF5E00"/>
+                </a:solidFill>
+              </a:rPr>
+              <a:t>eDocs </a:t>
+            </a:r>
+            <a:r>
+              <a:rPr lang="en-US" sz="2400" dirty="0"/>
+              <a:t>has multiple API’s that allows to deal with large amount </a:t>
             </a:r>
             <a:r>
               <a:rPr lang="en-US" sz="2400"/>
-              <a:t>other users.</a:t>
+              <a:t>of transactions.</a:t>
             </a:r>
             <a:endParaRPr lang="en-US" sz="2400" dirty="0"/>
           </a:p>

--- a/docs/presentation/EDocs_presentation_short.pptx
+++ b/docs/presentation/EDocs_presentation_short.pptx
@@ -3625,7 +3625,7 @@
             </a:r>
             <a:r>
               <a:rPr lang="en-US" sz="2400" dirty="0"/>
-              <a:t> stores all documents received from another users in the same place.</a:t>
+              <a:t> stores all documents received from another users (companies or persons) in a simple and personalized way.</a:t>
             </a:r>
           </a:p>
           <a:p>
@@ -3646,7 +3646,7 @@
             </a:r>
             <a:r>
               <a:rPr lang="en-US" sz="2400" dirty="0"/>
-              <a:t> you can sign documents and request to receive a signed response.</a:t>
+              <a:t> all documents will be in the same place and you’ll be able to view them, download them or resend to other users.</a:t>
             </a:r>
           </a:p>
           <a:p>
@@ -3663,45 +3663,11 @@
             </a:r>
             <a:r>
               <a:rPr lang="en-US" sz="2400" dirty="0"/>
-              <a:t> allows you to decide from who can you receive documents.</a:t>
-            </a:r>
-          </a:p>
-          <a:p>
-            <a:pPr marL="0" indent="0" algn="just">
-              <a:buNone/>
-            </a:pPr>
-            <a:r>
-              <a:rPr lang="en-US" sz="2400" b="1" dirty="0">
-                <a:solidFill>
-                  <a:srgbClr val="FF5E00"/>
-                </a:solidFill>
-              </a:rPr>
-              <a:t>eDocs </a:t>
-            </a:r>
-            <a:r>
-              <a:rPr lang="en-US" sz="2400" dirty="0"/>
-              <a:t>create documents that can be read by machines.</a:t>
-            </a:r>
-          </a:p>
-          <a:p>
-            <a:pPr marL="0" indent="0" algn="just">
-              <a:buNone/>
-            </a:pPr>
-            <a:r>
-              <a:rPr lang="en-US" sz="2400" b="1" dirty="0">
-                <a:solidFill>
-                  <a:srgbClr val="FF5E00"/>
-                </a:solidFill>
-              </a:rPr>
-              <a:t>eDocs </a:t>
-            </a:r>
-            <a:r>
-              <a:rPr lang="en-US" sz="2400" dirty="0"/>
-              <a:t>has multiple API’s that allows to deal with large amount </a:t>
+              <a:t> allows you to decide who can send you documents, having total control to accept or reject documents from </a:t>
             </a:r>
             <a:r>
               <a:rPr lang="en-US" sz="2400"/>
-              <a:t>of transactions.</a:t>
+              <a:t>other users.</a:t>
             </a:r>
             <a:endParaRPr lang="en-US" sz="2400" dirty="0"/>
           </a:p>

--- a/docs/presentation/EDocs_presentation_short.pptx
+++ b/docs/presentation/EDocs_presentation_short.pptx
@@ -7,7 +7,8 @@
   <p:sldIdLst>
     <p:sldId id="256" r:id="rId2"/>
     <p:sldId id="258" r:id="rId3"/>
-    <p:sldId id="260" r:id="rId4"/>
+    <p:sldId id="261" r:id="rId4"/>
+    <p:sldId id="260" r:id="rId5"/>
   </p:sldIdLst>
   <p:sldSz cx="12192000" cy="6858000"/>
   <p:notesSz cx="6858000" cy="9144000"/>
@@ -268,7 +269,7 @@
           <a:p>
             <a:fld id="{2E455E3A-3752-4DF1-85A2-97465DB392ED}" type="datetimeFigureOut">
               <a:rPr lang="es-ES" smtClean="0"/>
-              <a:t>24/07/2017</a:t>
+              <a:t>26/07/2017</a:t>
             </a:fld>
             <a:endParaRPr lang="es-ES"/>
           </a:p>
@@ -436,7 +437,7 @@
           <a:p>
             <a:fld id="{2E455E3A-3752-4DF1-85A2-97465DB392ED}" type="datetimeFigureOut">
               <a:rPr lang="es-ES" smtClean="0"/>
-              <a:t>24/07/2017</a:t>
+              <a:t>26/07/2017</a:t>
             </a:fld>
             <a:endParaRPr lang="es-ES"/>
           </a:p>
@@ -614,7 +615,7 @@
           <a:p>
             <a:fld id="{2E455E3A-3752-4DF1-85A2-97465DB392ED}" type="datetimeFigureOut">
               <a:rPr lang="es-ES" smtClean="0"/>
-              <a:t>24/07/2017</a:t>
+              <a:t>26/07/2017</a:t>
             </a:fld>
             <a:endParaRPr lang="es-ES"/>
           </a:p>
@@ -782,7 +783,7 @@
           <a:p>
             <a:fld id="{2E455E3A-3752-4DF1-85A2-97465DB392ED}" type="datetimeFigureOut">
               <a:rPr lang="es-ES" smtClean="0"/>
-              <a:t>24/07/2017</a:t>
+              <a:t>26/07/2017</a:t>
             </a:fld>
             <a:endParaRPr lang="es-ES"/>
           </a:p>
@@ -1027,7 +1028,7 @@
           <a:p>
             <a:fld id="{2E455E3A-3752-4DF1-85A2-97465DB392ED}" type="datetimeFigureOut">
               <a:rPr lang="es-ES" smtClean="0"/>
-              <a:t>24/07/2017</a:t>
+              <a:t>26/07/2017</a:t>
             </a:fld>
             <a:endParaRPr lang="es-ES"/>
           </a:p>
@@ -1256,7 +1257,7 @@
           <a:p>
             <a:fld id="{2E455E3A-3752-4DF1-85A2-97465DB392ED}" type="datetimeFigureOut">
               <a:rPr lang="es-ES" smtClean="0"/>
-              <a:t>24/07/2017</a:t>
+              <a:t>26/07/2017</a:t>
             </a:fld>
             <a:endParaRPr lang="es-ES"/>
           </a:p>
@@ -1620,7 +1621,7 @@
           <a:p>
             <a:fld id="{2E455E3A-3752-4DF1-85A2-97465DB392ED}" type="datetimeFigureOut">
               <a:rPr lang="es-ES" smtClean="0"/>
-              <a:t>24/07/2017</a:t>
+              <a:t>26/07/2017</a:t>
             </a:fld>
             <a:endParaRPr lang="es-ES"/>
           </a:p>
@@ -1737,7 +1738,7 @@
           <a:p>
             <a:fld id="{2E455E3A-3752-4DF1-85A2-97465DB392ED}" type="datetimeFigureOut">
               <a:rPr lang="es-ES" smtClean="0"/>
-              <a:t>24/07/2017</a:t>
+              <a:t>26/07/2017</a:t>
             </a:fld>
             <a:endParaRPr lang="es-ES"/>
           </a:p>
@@ -1832,7 +1833,7 @@
           <a:p>
             <a:fld id="{2E455E3A-3752-4DF1-85A2-97465DB392ED}" type="datetimeFigureOut">
               <a:rPr lang="es-ES" smtClean="0"/>
-              <a:t>24/07/2017</a:t>
+              <a:t>26/07/2017</a:t>
             </a:fld>
             <a:endParaRPr lang="es-ES"/>
           </a:p>
@@ -2107,7 +2108,7 @@
           <a:p>
             <a:fld id="{2E455E3A-3752-4DF1-85A2-97465DB392ED}" type="datetimeFigureOut">
               <a:rPr lang="es-ES" smtClean="0"/>
-              <a:t>24/07/2017</a:t>
+              <a:t>26/07/2017</a:t>
             </a:fld>
             <a:endParaRPr lang="es-ES"/>
           </a:p>
@@ -2359,7 +2360,7 @@
           <a:p>
             <a:fld id="{2E455E3A-3752-4DF1-85A2-97465DB392ED}" type="datetimeFigureOut">
               <a:rPr lang="es-ES" smtClean="0"/>
-              <a:t>24/07/2017</a:t>
+              <a:t>26/07/2017</a:t>
             </a:fld>
             <a:endParaRPr lang="es-ES"/>
           </a:p>
@@ -2570,7 +2571,7 @@
           <a:p>
             <a:fld id="{2E455E3A-3752-4DF1-85A2-97465DB392ED}" type="datetimeFigureOut">
               <a:rPr lang="es-ES" smtClean="0"/>
-              <a:t>24/07/2017</a:t>
+              <a:t>26/07/2017</a:t>
             </a:fld>
             <a:endParaRPr lang="es-ES"/>
           </a:p>
@@ -3566,7 +3567,7 @@
         <p:spPr>
           <a:xfrm>
             <a:off x="852810" y="617018"/>
-            <a:ext cx="2679195" cy="584775"/>
+            <a:ext cx="2267544" cy="584775"/>
           </a:xfrm>
           <a:prstGeom prst="rect">
             <a:avLst/>
@@ -3584,7 +3585,7 @@
                   <a:srgbClr val="FF5E00"/>
                 </a:solidFill>
               </a:rPr>
-              <a:t>What’s eDocs?</a:t>
+              <a:t>Why eDocs?</a:t>
             </a:r>
             <a:endParaRPr lang="es-ES" sz="3200" dirty="0"/>
           </a:p>
@@ -3616,16 +3617,8 @@
               <a:buNone/>
             </a:pPr>
             <a:r>
-              <a:rPr lang="en-US" sz="2400" b="1" dirty="0">
-                <a:solidFill>
-                  <a:srgbClr val="FF5E00"/>
-                </a:solidFill>
-              </a:rPr>
-              <a:t>eDocs</a:t>
-            </a:r>
-            <a:r>
               <a:rPr lang="en-US" sz="2400" dirty="0"/>
-              <a:t> stores all documents received from another users in the same place.</a:t>
+              <a:t>Too many different channels to receive documents (E-Mail, apps, post, paper…).</a:t>
             </a:r>
           </a:p>
           <a:p>
@@ -3634,19 +3627,16 @@
             </a:pPr>
             <a:r>
               <a:rPr lang="en-US" sz="2400" dirty="0"/>
-              <a:t>With </a:t>
-            </a:r>
-            <a:r>
-              <a:rPr lang="en-US" sz="2400" b="1" dirty="0">
-                <a:solidFill>
-                  <a:srgbClr val="FF5E00"/>
-                </a:solidFill>
-              </a:rPr>
-              <a:t>eDocs</a:t>
-            </a:r>
+              <a:t>I received the document but I don’t remember where is now…</a:t>
+            </a:r>
+          </a:p>
+          <a:p>
+            <a:pPr marL="0" indent="0" algn="just">
+              <a:buNone/>
+            </a:pPr>
             <a:r>
               <a:rPr lang="en-US" sz="2400" dirty="0"/>
-              <a:t> you can sign documents and request to receive a signed response.</a:t>
+              <a:t>Download documents, print them, send them… do we need this?</a:t>
             </a:r>
           </a:p>
           <a:p>
@@ -3654,16 +3644,8 @@
               <a:buNone/>
             </a:pPr>
             <a:r>
-              <a:rPr lang="en-US" sz="2400" b="1" dirty="0">
-                <a:solidFill>
-                  <a:srgbClr val="FF5E00"/>
-                </a:solidFill>
-              </a:rPr>
-              <a:t>eDocs</a:t>
-            </a:r>
-            <a:r>
               <a:rPr lang="en-US" sz="2400" dirty="0"/>
-              <a:t> allows you to decide from who can you receive documents.</a:t>
+              <a:t>Any legal document ends, at the end, into a database, so, why do we need them in paper? </a:t>
             </a:r>
           </a:p>
           <a:p>
@@ -3671,38 +3653,19 @@
               <a:buNone/>
             </a:pPr>
             <a:r>
-              <a:rPr lang="en-US" sz="2400" b="1" dirty="0">
-                <a:solidFill>
-                  <a:srgbClr val="FF5E00"/>
-                </a:solidFill>
-              </a:rPr>
-              <a:t>eDocs </a:t>
-            </a:r>
-            <a:r>
               <a:rPr lang="en-US" sz="2400" dirty="0"/>
-              <a:t>create documents that can be read by machines.</a:t>
-            </a:r>
+              <a:t>Paper work is tedious, slow and expensive but, if </a:t>
+            </a:r>
+            <a:r>
+              <a:rPr lang="en-US" sz="2400"/>
+              <a:t>it is digital…</a:t>
+            </a:r>
+            <a:endParaRPr lang="en-US" sz="2400" dirty="0"/>
           </a:p>
           <a:p>
             <a:pPr marL="0" indent="0" algn="just">
               <a:buNone/>
             </a:pPr>
-            <a:r>
-              <a:rPr lang="en-US" sz="2400" b="1" dirty="0">
-                <a:solidFill>
-                  <a:srgbClr val="FF5E00"/>
-                </a:solidFill>
-              </a:rPr>
-              <a:t>eDocs </a:t>
-            </a:r>
-            <a:r>
-              <a:rPr lang="en-US" sz="2400" dirty="0"/>
-              <a:t>has multiple API’s that allows to deal with large amount </a:t>
-            </a:r>
-            <a:r>
-              <a:rPr lang="en-US" sz="2400"/>
-              <a:t>of transactions.</a:t>
-            </a:r>
             <a:endParaRPr lang="en-US" sz="2400" dirty="0"/>
           </a:p>
         </p:txBody>
@@ -4669,6 +4632,1221 @@
 </file>
 
 <file path=ppt/slides/slide3.xml><?xml version="1.0" encoding="utf-8"?>
+<p:sld xmlns:a="http://purl.oclc.org/ooxml/drawingml/main" xmlns:r="http://purl.oclc.org/ooxml/officeDocument/relationships" xmlns:p="http://purl.oclc.org/ooxml/presentationml/main">
+  <p:cSld>
+    <p:spTree>
+      <p:nvGrpSpPr>
+        <p:cNvPr id="1" name=""/>
+        <p:cNvGrpSpPr/>
+        <p:nvPr/>
+      </p:nvGrpSpPr>
+      <p:grpSpPr>
+        <a:xfrm>
+          <a:off x="0" y="0"/>
+          <a:ext cx="0" cy="0"/>
+          <a:chOff x="0" y="0"/>
+          <a:chExt cx="0" cy="0"/>
+        </a:xfrm>
+      </p:grpSpPr>
+      <p:sp>
+        <p:nvSpPr>
+          <p:cNvPr id="5" name="Rectángulo 4"/>
+          <p:cNvSpPr/>
+          <p:nvPr/>
+        </p:nvSpPr>
+        <p:spPr>
+          <a:xfrm>
+            <a:off x="852810" y="617018"/>
+            <a:ext cx="2679195" cy="584775"/>
+          </a:xfrm>
+          <a:prstGeom prst="rect">
+            <a:avLst/>
+          </a:prstGeom>
+        </p:spPr>
+        <p:txBody>
+          <a:bodyPr wrap="none">
+            <a:spAutoFit/>
+          </a:bodyPr>
+          <a:lstStyle/>
+          <a:p>
+            <a:r>
+              <a:rPr lang="en-US" sz="3200" b="1" dirty="0">
+                <a:solidFill>
+                  <a:srgbClr val="FF5E00"/>
+                </a:solidFill>
+              </a:rPr>
+              <a:t>What’s eDocs?</a:t>
+            </a:r>
+            <a:endParaRPr lang="es-ES" sz="3200" dirty="0"/>
+          </a:p>
+        </p:txBody>
+      </p:sp>
+      <p:sp>
+        <p:nvSpPr>
+          <p:cNvPr id="6" name="Marcador de contenido 2"/>
+          <p:cNvSpPr>
+            <a:spLocks noGrp="1"/>
+          </p:cNvSpPr>
+          <p:nvPr>
+            <p:ph idx="1"/>
+          </p:nvPr>
+        </p:nvSpPr>
+        <p:spPr>
+          <a:xfrm>
+            <a:off x="852810" y="1262743"/>
+            <a:ext cx="10446561" cy="2760552"/>
+          </a:xfrm>
+        </p:spPr>
+        <p:txBody>
+          <a:bodyPr>
+            <a:normAutofit/>
+          </a:bodyPr>
+          <a:lstStyle/>
+          <a:p>
+            <a:pPr marL="0" indent="0" algn="just">
+              <a:buNone/>
+            </a:pPr>
+            <a:r>
+              <a:rPr lang="en-US" sz="2400" b="1" dirty="0">
+                <a:solidFill>
+                  <a:srgbClr val="FF5E00"/>
+                </a:solidFill>
+              </a:rPr>
+              <a:t>eDocs</a:t>
+            </a:r>
+            <a:r>
+              <a:rPr lang="en-US" sz="2400" dirty="0"/>
+              <a:t> stores all documents received from another users in the same place.</a:t>
+            </a:r>
+          </a:p>
+          <a:p>
+            <a:pPr marL="0" indent="0" algn="just">
+              <a:buNone/>
+            </a:pPr>
+            <a:r>
+              <a:rPr lang="en-US" sz="2400" dirty="0"/>
+              <a:t>With </a:t>
+            </a:r>
+            <a:r>
+              <a:rPr lang="en-US" sz="2400" b="1" dirty="0">
+                <a:solidFill>
+                  <a:srgbClr val="FF5E00"/>
+                </a:solidFill>
+              </a:rPr>
+              <a:t>eDocs</a:t>
+            </a:r>
+            <a:r>
+              <a:rPr lang="en-US" sz="2400" dirty="0"/>
+              <a:t> you can sign documents and request to receive a signed response.</a:t>
+            </a:r>
+          </a:p>
+          <a:p>
+            <a:pPr marL="0" indent="0" algn="just">
+              <a:buNone/>
+            </a:pPr>
+            <a:r>
+              <a:rPr lang="en-US" sz="2400" b="1" dirty="0">
+                <a:solidFill>
+                  <a:srgbClr val="FF5E00"/>
+                </a:solidFill>
+              </a:rPr>
+              <a:t>eDocs</a:t>
+            </a:r>
+            <a:r>
+              <a:rPr lang="en-US" sz="2400" dirty="0"/>
+              <a:t> allows you to decide from who can you receive documents.</a:t>
+            </a:r>
+          </a:p>
+          <a:p>
+            <a:pPr marL="0" indent="0" algn="just">
+              <a:buNone/>
+            </a:pPr>
+            <a:r>
+              <a:rPr lang="en-US" sz="2400" b="1" dirty="0">
+                <a:solidFill>
+                  <a:srgbClr val="FF5E00"/>
+                </a:solidFill>
+              </a:rPr>
+              <a:t>eDocs </a:t>
+            </a:r>
+            <a:r>
+              <a:rPr lang="en-US" sz="2400" dirty="0"/>
+              <a:t>create documents that can be read by machines.</a:t>
+            </a:r>
+          </a:p>
+          <a:p>
+            <a:pPr marL="0" indent="0" algn="just">
+              <a:buNone/>
+            </a:pPr>
+            <a:r>
+              <a:rPr lang="en-US" sz="2400" b="1" dirty="0">
+                <a:solidFill>
+                  <a:srgbClr val="FF5E00"/>
+                </a:solidFill>
+              </a:rPr>
+              <a:t>eDocs </a:t>
+            </a:r>
+            <a:r>
+              <a:rPr lang="en-US" sz="2400" dirty="0"/>
+              <a:t>has multiple API’s that allows to deal with large amount </a:t>
+            </a:r>
+            <a:r>
+              <a:rPr lang="en-US" sz="2400"/>
+              <a:t>of transactions.</a:t>
+            </a:r>
+            <a:endParaRPr lang="en-US" sz="2400" dirty="0"/>
+          </a:p>
+        </p:txBody>
+      </p:sp>
+      <p:pic>
+        <p:nvPicPr>
+          <p:cNvPr id="7" name="Imagen 6">
+            <a:extLst>
+              <a:ext uri="{FF2B5EF4-FFF2-40B4-BE49-F238E27FC236}">
+                <a16:creationId xmlns:a16="http://schemas.microsoft.com/office/drawing/2014/main" id="{624478FB-DCFC-4C48-82BE-62536620BAFD}"/>
+              </a:ext>
+            </a:extLst>
+          </p:cNvPr>
+          <p:cNvPicPr>
+            <a:picLocks noChangeAspect="1"/>
+          </p:cNvPicPr>
+          <p:nvPr/>
+        </p:nvPicPr>
+        <p:blipFill>
+          <a:blip r:embed="rId2">
+            <a:extLst>
+              <a:ext uri="{28A0092B-C50C-407E-A947-70E740481C1C}">
+                <a14:useLocalDpi xmlns:a14="http://schemas.microsoft.com/office/drawing/2010/main" val="0"/>
+              </a:ext>
+            </a:extLst>
+          </a:blip>
+          <a:stretch>
+            <a:fillRect/>
+          </a:stretch>
+        </p:blipFill>
+        <p:spPr>
+          <a:xfrm>
+            <a:off x="134595" y="118649"/>
+            <a:ext cx="646094" cy="211618"/>
+          </a:xfrm>
+          <a:prstGeom prst="rect">
+            <a:avLst/>
+          </a:prstGeom>
+        </p:spPr>
+      </p:pic>
+      <p:pic>
+        <p:nvPicPr>
+          <p:cNvPr id="8" name="Imagen 7">
+            <a:extLst>
+              <a:ext uri="{FF2B5EF4-FFF2-40B4-BE49-F238E27FC236}">
+                <a16:creationId xmlns:a16="http://schemas.microsoft.com/office/drawing/2014/main" id="{5DDDE83C-C7B9-4C8E-A5C2-A322CC9D9E23}"/>
+              </a:ext>
+            </a:extLst>
+          </p:cNvPr>
+          <p:cNvPicPr>
+            <a:picLocks noChangeAspect="1"/>
+          </p:cNvPicPr>
+          <p:nvPr/>
+        </p:nvPicPr>
+        <p:blipFill>
+          <a:blip r:embed="rId3">
+            <a:extLst>
+              <a:ext uri="{28A0092B-C50C-407E-A947-70E740481C1C}">
+                <a14:useLocalDpi xmlns:a14="http://schemas.microsoft.com/office/drawing/2010/main" val="0"/>
+              </a:ext>
+            </a:extLst>
+          </a:blip>
+          <a:stretch>
+            <a:fillRect/>
+          </a:stretch>
+        </p:blipFill>
+        <p:spPr>
+          <a:xfrm>
+            <a:off x="11706045" y="12752"/>
+            <a:ext cx="423412" cy="423412"/>
+          </a:xfrm>
+          <a:prstGeom prst="rect">
+            <a:avLst/>
+          </a:prstGeom>
+        </p:spPr>
+      </p:pic>
+      <p:pic>
+        <p:nvPicPr>
+          <p:cNvPr id="29" name="Imagen 28">
+            <a:extLst>
+              <a:ext uri="{FF2B5EF4-FFF2-40B4-BE49-F238E27FC236}">
+                <a16:creationId xmlns:a16="http://schemas.microsoft.com/office/drawing/2014/main" id="{12009FBE-0A3E-492D-815A-93F3C3B00F66}"/>
+              </a:ext>
+            </a:extLst>
+          </p:cNvPr>
+          <p:cNvPicPr>
+            <a:picLocks noChangeAspect="1"/>
+          </p:cNvPicPr>
+          <p:nvPr/>
+        </p:nvPicPr>
+        <p:blipFill>
+          <a:blip r:embed="rId4">
+            <a:extLst>
+              <a:ext uri="{28A0092B-C50C-407E-A947-70E740481C1C}">
+                <a14:useLocalDpi xmlns:a14="http://schemas.microsoft.com/office/drawing/2010/main" val="0"/>
+              </a:ext>
+            </a:extLst>
+          </a:blip>
+          <a:stretch>
+            <a:fillRect/>
+          </a:stretch>
+        </p:blipFill>
+        <p:spPr>
+          <a:xfrm>
+            <a:off x="5572987" y="4505563"/>
+            <a:ext cx="1046025" cy="1046025"/>
+          </a:xfrm>
+          <a:prstGeom prst="rect">
+            <a:avLst/>
+          </a:prstGeom>
+        </p:spPr>
+      </p:pic>
+      <p:sp>
+        <p:nvSpPr>
+          <p:cNvPr id="30" name="Elipse 29">
+            <a:extLst>
+              <a:ext uri="{FF2B5EF4-FFF2-40B4-BE49-F238E27FC236}">
+                <a16:creationId xmlns:a16="http://schemas.microsoft.com/office/drawing/2014/main" id="{EA3906E9-1D63-46DC-8B07-0BCAB4847EC7}"/>
+              </a:ext>
+            </a:extLst>
+          </p:cNvPr>
+          <p:cNvSpPr/>
+          <p:nvPr/>
+        </p:nvSpPr>
+        <p:spPr>
+          <a:xfrm>
+            <a:off x="5037198" y="4139613"/>
+            <a:ext cx="608070" cy="608070"/>
+          </a:xfrm>
+          <a:prstGeom prst="ellipse">
+            <a:avLst/>
+          </a:prstGeom>
+          <a:noFill/>
+          <a:ln w="50800">
+            <a:solidFill>
+              <a:srgbClr val="FF5E00"/>
+            </a:solidFill>
+          </a:ln>
+        </p:spPr>
+        <p:style>
+          <a:lnRef idx="2">
+            <a:schemeClr val="accent1">
+              <a:shade val="50%"/>
+            </a:schemeClr>
+          </a:lnRef>
+          <a:fillRef idx="1">
+            <a:schemeClr val="accent1"/>
+          </a:fillRef>
+          <a:effectRef idx="0">
+            <a:schemeClr val="accent1"/>
+          </a:effectRef>
+          <a:fontRef idx="minor">
+            <a:schemeClr val="lt1"/>
+          </a:fontRef>
+        </p:style>
+        <p:txBody>
+          <a:bodyPr rtlCol="0" anchor="ctr"/>
+          <a:lstStyle/>
+          <a:p>
+            <a:pPr algn="ctr"/>
+            <a:endParaRPr lang="es-ES"/>
+          </a:p>
+        </p:txBody>
+      </p:sp>
+      <p:sp>
+        <p:nvSpPr>
+          <p:cNvPr id="31" name="Rectángulo 30">
+            <a:extLst>
+              <a:ext uri="{FF2B5EF4-FFF2-40B4-BE49-F238E27FC236}">
+                <a16:creationId xmlns:a16="http://schemas.microsoft.com/office/drawing/2014/main" id="{0540CB7C-DE48-465A-8CBA-C58725CBAE24}"/>
+              </a:ext>
+            </a:extLst>
+          </p:cNvPr>
+          <p:cNvSpPr/>
+          <p:nvPr/>
+        </p:nvSpPr>
+        <p:spPr>
+          <a:xfrm rot="18532112">
+            <a:off x="5632464" y="4609450"/>
+            <a:ext cx="45719" cy="141175"/>
+          </a:xfrm>
+          <a:prstGeom prst="rect">
+            <a:avLst/>
+          </a:prstGeom>
+          <a:solidFill>
+            <a:srgbClr val="FF5E00"/>
+          </a:solidFill>
+          <a:ln>
+            <a:noFill/>
+          </a:ln>
+        </p:spPr>
+        <p:style>
+          <a:lnRef idx="2">
+            <a:schemeClr val="accent1">
+              <a:shade val="50%"/>
+            </a:schemeClr>
+          </a:lnRef>
+          <a:fillRef idx="1">
+            <a:schemeClr val="accent1"/>
+          </a:fillRef>
+          <a:effectRef idx="0">
+            <a:schemeClr val="accent1"/>
+          </a:effectRef>
+          <a:fontRef idx="minor">
+            <a:schemeClr val="lt1"/>
+          </a:fontRef>
+        </p:style>
+        <p:txBody>
+          <a:bodyPr rtlCol="0" anchor="ctr"/>
+          <a:lstStyle/>
+          <a:p>
+            <a:pPr algn="ctr"/>
+            <a:endParaRPr lang="es-ES"/>
+          </a:p>
+        </p:txBody>
+      </p:sp>
+      <p:sp>
+        <p:nvSpPr>
+          <p:cNvPr id="32" name="Elipse 31">
+            <a:extLst>
+              <a:ext uri="{FF2B5EF4-FFF2-40B4-BE49-F238E27FC236}">
+                <a16:creationId xmlns:a16="http://schemas.microsoft.com/office/drawing/2014/main" id="{C5827B61-FBA6-4ABE-88FC-ADEE9CBCAAEE}"/>
+              </a:ext>
+            </a:extLst>
+          </p:cNvPr>
+          <p:cNvSpPr/>
+          <p:nvPr/>
+        </p:nvSpPr>
+        <p:spPr>
+          <a:xfrm>
+            <a:off x="5776349" y="3756847"/>
+            <a:ext cx="608070" cy="608070"/>
+          </a:xfrm>
+          <a:prstGeom prst="ellipse">
+            <a:avLst/>
+          </a:prstGeom>
+          <a:noFill/>
+          <a:ln w="50800">
+            <a:solidFill>
+              <a:srgbClr val="FF5E00"/>
+            </a:solidFill>
+          </a:ln>
+        </p:spPr>
+        <p:style>
+          <a:lnRef idx="2">
+            <a:schemeClr val="accent1">
+              <a:shade val="50%"/>
+            </a:schemeClr>
+          </a:lnRef>
+          <a:fillRef idx="1">
+            <a:schemeClr val="accent1"/>
+          </a:fillRef>
+          <a:effectRef idx="0">
+            <a:schemeClr val="accent1"/>
+          </a:effectRef>
+          <a:fontRef idx="minor">
+            <a:schemeClr val="lt1"/>
+          </a:fontRef>
+        </p:style>
+        <p:txBody>
+          <a:bodyPr rtlCol="0" anchor="ctr"/>
+          <a:lstStyle/>
+          <a:p>
+            <a:pPr algn="ctr"/>
+            <a:endParaRPr lang="es-ES"/>
+          </a:p>
+        </p:txBody>
+      </p:sp>
+      <p:sp>
+        <p:nvSpPr>
+          <p:cNvPr id="33" name="Rectángulo 32">
+            <a:extLst>
+              <a:ext uri="{FF2B5EF4-FFF2-40B4-BE49-F238E27FC236}">
+                <a16:creationId xmlns:a16="http://schemas.microsoft.com/office/drawing/2014/main" id="{361CBF0C-410D-43F9-B480-6F6CBF524C77}"/>
+              </a:ext>
+            </a:extLst>
+          </p:cNvPr>
+          <p:cNvSpPr/>
+          <p:nvPr/>
+        </p:nvSpPr>
+        <p:spPr>
+          <a:xfrm>
+            <a:off x="6080383" y="4364917"/>
+            <a:ext cx="45719" cy="141175"/>
+          </a:xfrm>
+          <a:prstGeom prst="rect">
+            <a:avLst/>
+          </a:prstGeom>
+          <a:solidFill>
+            <a:srgbClr val="FF5E00"/>
+          </a:solidFill>
+          <a:ln>
+            <a:noFill/>
+          </a:ln>
+        </p:spPr>
+        <p:style>
+          <a:lnRef idx="2">
+            <a:schemeClr val="accent1">
+              <a:shade val="50%"/>
+            </a:schemeClr>
+          </a:lnRef>
+          <a:fillRef idx="1">
+            <a:schemeClr val="accent1"/>
+          </a:fillRef>
+          <a:effectRef idx="0">
+            <a:schemeClr val="accent1"/>
+          </a:effectRef>
+          <a:fontRef idx="minor">
+            <a:schemeClr val="lt1"/>
+          </a:fontRef>
+        </p:style>
+        <p:txBody>
+          <a:bodyPr rtlCol="0" anchor="ctr"/>
+          <a:lstStyle/>
+          <a:p>
+            <a:pPr algn="ctr"/>
+            <a:endParaRPr lang="es-ES"/>
+          </a:p>
+        </p:txBody>
+      </p:sp>
+      <p:pic>
+        <p:nvPicPr>
+          <p:cNvPr id="34" name="Picture 6" descr="Resultado de imagen de user blue png">
+            <a:extLst>
+              <a:ext uri="{FF2B5EF4-FFF2-40B4-BE49-F238E27FC236}">
+                <a16:creationId xmlns:a16="http://schemas.microsoft.com/office/drawing/2014/main" id="{C165C725-82E5-4D28-B452-952879B9333D}"/>
+              </a:ext>
+            </a:extLst>
+          </p:cNvPr>
+          <p:cNvPicPr>
+            <a:picLocks noChangeAspect="1" noChangeArrowheads="1"/>
+          </p:cNvPicPr>
+          <p:nvPr/>
+        </p:nvPicPr>
+        <p:blipFill>
+          <a:blip r:embed="rId5">
+            <a:extLst>
+              <a:ext uri="{BEBA8EAE-BF5A-486C-A8C5-ECC9F3942E4B}">
+                <a14:imgProps xmlns:a14="http://schemas.microsoft.com/office/drawing/2010/main">
+                  <a14:imgLayer r:embed="rId6">
+                    <a14:imgEffect>
+                      <a14:colorTemperature colorTemp="8960"/>
+                    </a14:imgEffect>
+                  </a14:imgLayer>
+                </a14:imgProps>
+              </a:ext>
+              <a:ext uri="{28A0092B-C50C-407E-A947-70E740481C1C}">
+                <a14:useLocalDpi xmlns:a14="http://schemas.microsoft.com/office/drawing/2010/main" val="0"/>
+              </a:ext>
+            </a:extLst>
+          </a:blip>
+          <a:srcRect/>
+          <a:stretch>
+            <a:fillRect/>
+          </a:stretch>
+        </p:blipFill>
+        <p:spPr bwMode="auto">
+          <a:xfrm>
+            <a:off x="5188027" y="4276728"/>
+            <a:ext cx="334806" cy="334806"/>
+          </a:xfrm>
+          <a:prstGeom prst="rect">
+            <a:avLst/>
+          </a:prstGeom>
+          <a:noFill/>
+          <a:ln>
+            <a:solidFill>
+              <a:schemeClr val="bg1"/>
+            </a:solidFill>
+          </a:ln>
+          <a:extLst>
+            <a:ext uri="{909E8E84-426E-40DD-AFC4-6F175D3DCCD1}">
+              <a14:hiddenFill xmlns:a14="http://schemas.microsoft.com/office/drawing/2010/main">
+                <a:solidFill>
+                  <a:srgbClr val="FFFFFF"/>
+                </a:solidFill>
+              </a14:hiddenFill>
+            </a:ext>
+          </a:extLst>
+        </p:spPr>
+      </p:pic>
+      <p:pic>
+        <p:nvPicPr>
+          <p:cNvPr id="35" name="Imagen 34">
+            <a:extLst>
+              <a:ext uri="{FF2B5EF4-FFF2-40B4-BE49-F238E27FC236}">
+                <a16:creationId xmlns:a16="http://schemas.microsoft.com/office/drawing/2014/main" id="{3496E5EB-05FF-40B7-BF96-B37BD8DEB121}"/>
+              </a:ext>
+            </a:extLst>
+          </p:cNvPr>
+          <p:cNvPicPr>
+            <a:picLocks noChangeAspect="1"/>
+          </p:cNvPicPr>
+          <p:nvPr/>
+        </p:nvPicPr>
+        <p:blipFill>
+          <a:blip r:embed="rId7">
+            <a:duotone>
+              <a:prstClr val="black"/>
+              <a:schemeClr val="tx2">
+                <a:tint val="45%"/>
+                <a:satMod val="400%"/>
+              </a:schemeClr>
+            </a:duotone>
+            <a:extLst>
+              <a:ext uri="{28A0092B-C50C-407E-A947-70E740481C1C}">
+                <a14:useLocalDpi xmlns:a14="http://schemas.microsoft.com/office/drawing/2010/main" val="0"/>
+              </a:ext>
+            </a:extLst>
+          </a:blip>
+          <a:stretch>
+            <a:fillRect/>
+          </a:stretch>
+        </p:blipFill>
+        <p:spPr>
+          <a:xfrm>
+            <a:off x="5938310" y="3854392"/>
+            <a:ext cx="387660" cy="387660"/>
+          </a:xfrm>
+          <a:prstGeom prst="rect">
+            <a:avLst/>
+          </a:prstGeom>
+        </p:spPr>
+      </p:pic>
+      <p:pic>
+        <p:nvPicPr>
+          <p:cNvPr id="37" name="Imagen 36">
+            <a:extLst>
+              <a:ext uri="{FF2B5EF4-FFF2-40B4-BE49-F238E27FC236}">
+                <a16:creationId xmlns:a16="http://schemas.microsoft.com/office/drawing/2014/main" id="{87EC24C7-1BD7-4B32-A0D0-2A6DF3F0A79E}"/>
+              </a:ext>
+            </a:extLst>
+          </p:cNvPr>
+          <p:cNvPicPr>
+            <a:picLocks noChangeAspect="1"/>
+          </p:cNvPicPr>
+          <p:nvPr/>
+        </p:nvPicPr>
+        <p:blipFill>
+          <a:blip r:embed="rId8">
+            <a:extLst>
+              <a:ext uri="{28A0092B-C50C-407E-A947-70E740481C1C}">
+                <a14:useLocalDpi xmlns:a14="http://schemas.microsoft.com/office/drawing/2010/main" val="0"/>
+              </a:ext>
+            </a:extLst>
+          </a:blip>
+          <a:stretch>
+            <a:fillRect/>
+          </a:stretch>
+        </p:blipFill>
+        <p:spPr>
+          <a:xfrm>
+            <a:off x="6801058" y="5242506"/>
+            <a:ext cx="384123" cy="384123"/>
+          </a:xfrm>
+          <a:prstGeom prst="rect">
+            <a:avLst/>
+          </a:prstGeom>
+        </p:spPr>
+      </p:pic>
+      <p:pic>
+        <p:nvPicPr>
+          <p:cNvPr id="38" name="Imagen 37">
+            <a:extLst>
+              <a:ext uri="{FF2B5EF4-FFF2-40B4-BE49-F238E27FC236}">
+                <a16:creationId xmlns:a16="http://schemas.microsoft.com/office/drawing/2014/main" id="{64981000-A82F-4DB6-865F-72AD32602AD5}"/>
+              </a:ext>
+            </a:extLst>
+          </p:cNvPr>
+          <p:cNvPicPr>
+            <a:picLocks noChangeAspect="1"/>
+          </p:cNvPicPr>
+          <p:nvPr/>
+        </p:nvPicPr>
+        <p:blipFill>
+          <a:blip r:embed="rId9">
+            <a:extLst>
+              <a:ext uri="{28A0092B-C50C-407E-A947-70E740481C1C}">
+                <a14:useLocalDpi xmlns:a14="http://schemas.microsoft.com/office/drawing/2010/main" val="0"/>
+              </a:ext>
+            </a:extLst>
+          </a:blip>
+          <a:stretch>
+            <a:fillRect/>
+          </a:stretch>
+        </p:blipFill>
+        <p:spPr>
+          <a:xfrm>
+            <a:off x="6724967" y="4321900"/>
+            <a:ext cx="360497" cy="360497"/>
+          </a:xfrm>
+          <a:prstGeom prst="rect">
+            <a:avLst/>
+          </a:prstGeom>
+        </p:spPr>
+      </p:pic>
+      <p:pic>
+        <p:nvPicPr>
+          <p:cNvPr id="39" name="Imagen 38">
+            <a:extLst>
+              <a:ext uri="{FF2B5EF4-FFF2-40B4-BE49-F238E27FC236}">
+                <a16:creationId xmlns:a16="http://schemas.microsoft.com/office/drawing/2014/main" id="{F829A121-B2B7-4D10-93DF-BBDF2AAE5F30}"/>
+              </a:ext>
+            </a:extLst>
+          </p:cNvPr>
+          <p:cNvPicPr>
+            <a:picLocks noChangeAspect="1"/>
+          </p:cNvPicPr>
+          <p:nvPr/>
+        </p:nvPicPr>
+        <p:blipFill>
+          <a:blip r:embed="rId10">
+            <a:duotone>
+              <a:schemeClr val="accent6">
+                <a:shade val="45%"/>
+                <a:satMod val="135%"/>
+              </a:schemeClr>
+              <a:prstClr val="white"/>
+            </a:duotone>
+            <a:extLst>
+              <a:ext uri="{28A0092B-C50C-407E-A947-70E740481C1C}">
+                <a14:useLocalDpi xmlns:a14="http://schemas.microsoft.com/office/drawing/2010/main" val="0"/>
+              </a:ext>
+            </a:extLst>
+          </a:blip>
+          <a:stretch>
+            <a:fillRect/>
+          </a:stretch>
+        </p:blipFill>
+        <p:spPr>
+          <a:xfrm>
+            <a:off x="4920102" y="5153345"/>
+            <a:ext cx="585466" cy="585466"/>
+          </a:xfrm>
+          <a:prstGeom prst="rect">
+            <a:avLst/>
+          </a:prstGeom>
+        </p:spPr>
+      </p:pic>
+      <p:grpSp>
+        <p:nvGrpSpPr>
+          <p:cNvPr id="40" name="Grupo 39">
+            <a:extLst>
+              <a:ext uri="{FF2B5EF4-FFF2-40B4-BE49-F238E27FC236}">
+                <a16:creationId xmlns:a16="http://schemas.microsoft.com/office/drawing/2014/main" id="{D1A24F98-2E72-4267-9FEB-6D7D73422B30}"/>
+              </a:ext>
+            </a:extLst>
+          </p:cNvPr>
+          <p:cNvGrpSpPr/>
+          <p:nvPr/>
+        </p:nvGrpSpPr>
+        <p:grpSpPr>
+          <a:xfrm>
+            <a:off x="5785186" y="5675512"/>
+            <a:ext cx="608070" cy="608070"/>
+            <a:chOff x="4384508" y="5736433"/>
+            <a:chExt cx="608070" cy="608070"/>
+          </a:xfrm>
+        </p:grpSpPr>
+        <p:pic>
+          <p:nvPicPr>
+            <p:cNvPr id="41" name="Picture 8" descr="Resultado de imagen de government png">
+              <a:extLst>
+                <a:ext uri="{FF2B5EF4-FFF2-40B4-BE49-F238E27FC236}">
+                  <a16:creationId xmlns:a16="http://schemas.microsoft.com/office/drawing/2014/main" id="{8D74FF94-7E76-45EC-902A-8A281C6BCF03}"/>
+                </a:ext>
+              </a:extLst>
+            </p:cNvPr>
+            <p:cNvPicPr>
+              <a:picLocks noChangeAspect="1" noChangeArrowheads="1"/>
+            </p:cNvPicPr>
+            <p:nvPr/>
+          </p:nvPicPr>
+          <p:blipFill>
+            <a:blip r:embed="rId11">
+              <a:duotone>
+                <a:prstClr val="black"/>
+                <a:schemeClr val="accent1">
+                  <a:tint val="45%"/>
+                  <a:satMod val="400%"/>
+                </a:schemeClr>
+              </a:duotone>
+              <a:extLst>
+                <a:ext uri="{BEBA8EAE-BF5A-486C-A8C5-ECC9F3942E4B}">
+                  <a14:imgProps xmlns:a14="http://schemas.microsoft.com/office/drawing/2010/main">
+                    <a14:imgLayer r:embed="rId12">
+                      <a14:imgEffect>
+                        <a14:saturation sat="155%"/>
+                      </a14:imgEffect>
+                    </a14:imgLayer>
+                  </a14:imgProps>
+                </a:ext>
+                <a:ext uri="{28A0092B-C50C-407E-A947-70E740481C1C}">
+                  <a14:useLocalDpi xmlns:a14="http://schemas.microsoft.com/office/drawing/2010/main" val="0"/>
+                </a:ext>
+              </a:extLst>
+            </a:blip>
+            <a:srcRect/>
+            <a:stretch>
+              <a:fillRect/>
+            </a:stretch>
+          </p:blipFill>
+          <p:spPr bwMode="auto">
+            <a:xfrm>
+              <a:off x="4518292" y="5874779"/>
+              <a:ext cx="374468" cy="309605"/>
+            </a:xfrm>
+            <a:prstGeom prst="rect">
+              <a:avLst/>
+            </a:prstGeom>
+            <a:noFill/>
+            <a:extLst>
+              <a:ext uri="{909E8E84-426E-40DD-AFC4-6F175D3DCCD1}">
+                <a14:hiddenFill xmlns:a14="http://schemas.microsoft.com/office/drawing/2010/main">
+                  <a:solidFill>
+                    <a:srgbClr val="FFFFFF"/>
+                  </a:solidFill>
+                </a14:hiddenFill>
+              </a:ext>
+            </a:extLst>
+          </p:spPr>
+        </p:pic>
+        <p:sp>
+          <p:nvSpPr>
+            <p:cNvPr id="42" name="Elipse 41">
+              <a:extLst>
+                <a:ext uri="{FF2B5EF4-FFF2-40B4-BE49-F238E27FC236}">
+                  <a16:creationId xmlns:a16="http://schemas.microsoft.com/office/drawing/2014/main" id="{8EEA5321-6997-4A21-AB27-025339946BBE}"/>
+                </a:ext>
+              </a:extLst>
+            </p:cNvPr>
+            <p:cNvSpPr/>
+            <p:nvPr/>
+          </p:nvSpPr>
+          <p:spPr>
+            <a:xfrm>
+              <a:off x="4384508" y="5736433"/>
+              <a:ext cx="608070" cy="608070"/>
+            </a:xfrm>
+            <a:prstGeom prst="ellipse">
+              <a:avLst/>
+            </a:prstGeom>
+            <a:noFill/>
+            <a:ln w="50800">
+              <a:solidFill>
+                <a:srgbClr val="FF5E00"/>
+              </a:solidFill>
+            </a:ln>
+          </p:spPr>
+          <p:style>
+            <a:lnRef idx="2">
+              <a:schemeClr val="accent1">
+                <a:shade val="50%"/>
+              </a:schemeClr>
+            </a:lnRef>
+            <a:fillRef idx="1">
+              <a:schemeClr val="accent1"/>
+            </a:fillRef>
+            <a:effectRef idx="0">
+              <a:schemeClr val="accent1"/>
+            </a:effectRef>
+            <a:fontRef idx="minor">
+              <a:schemeClr val="lt1"/>
+            </a:fontRef>
+          </p:style>
+          <p:txBody>
+            <a:bodyPr rtlCol="0" anchor="ctr"/>
+            <a:lstStyle/>
+            <a:p>
+              <a:pPr algn="ctr"/>
+              <a:endParaRPr lang="es-ES"/>
+            </a:p>
+          </p:txBody>
+        </p:sp>
+      </p:grpSp>
+      <p:sp>
+        <p:nvSpPr>
+          <p:cNvPr id="43" name="Rectángulo 42">
+            <a:extLst>
+              <a:ext uri="{FF2B5EF4-FFF2-40B4-BE49-F238E27FC236}">
+                <a16:creationId xmlns:a16="http://schemas.microsoft.com/office/drawing/2014/main" id="{4171D84B-CE77-4E59-8E57-D38CB5E04914}"/>
+              </a:ext>
+            </a:extLst>
+          </p:cNvPr>
+          <p:cNvSpPr/>
+          <p:nvPr/>
+        </p:nvSpPr>
+        <p:spPr>
+          <a:xfrm rot="10800000">
+            <a:off x="6068694" y="5534336"/>
+            <a:ext cx="45719" cy="141175"/>
+          </a:xfrm>
+          <a:prstGeom prst="rect">
+            <a:avLst/>
+          </a:prstGeom>
+          <a:solidFill>
+            <a:srgbClr val="FF5E00"/>
+          </a:solidFill>
+          <a:ln>
+            <a:noFill/>
+          </a:ln>
+        </p:spPr>
+        <p:style>
+          <a:lnRef idx="2">
+            <a:schemeClr val="accent1">
+              <a:shade val="50%"/>
+            </a:schemeClr>
+          </a:lnRef>
+          <a:fillRef idx="1">
+            <a:schemeClr val="accent1"/>
+          </a:fillRef>
+          <a:effectRef idx="0">
+            <a:schemeClr val="accent1"/>
+          </a:effectRef>
+          <a:fontRef idx="minor">
+            <a:schemeClr val="lt1"/>
+          </a:fontRef>
+        </p:style>
+        <p:txBody>
+          <a:bodyPr rtlCol="0" anchor="ctr"/>
+          <a:lstStyle/>
+          <a:p>
+            <a:pPr algn="ctr"/>
+            <a:endParaRPr lang="es-ES"/>
+          </a:p>
+        </p:txBody>
+      </p:sp>
+      <p:sp>
+        <p:nvSpPr>
+          <p:cNvPr id="45" name="Elipse 44">
+            <a:extLst>
+              <a:ext uri="{FF2B5EF4-FFF2-40B4-BE49-F238E27FC236}">
+                <a16:creationId xmlns:a16="http://schemas.microsoft.com/office/drawing/2014/main" id="{31B54417-4F07-4DE4-87C4-85B8667AE0D7}"/>
+              </a:ext>
+            </a:extLst>
+          </p:cNvPr>
+          <p:cNvSpPr/>
+          <p:nvPr/>
+        </p:nvSpPr>
+        <p:spPr>
+          <a:xfrm>
+            <a:off x="4908800" y="5130741"/>
+            <a:ext cx="608070" cy="608070"/>
+          </a:xfrm>
+          <a:prstGeom prst="ellipse">
+            <a:avLst/>
+          </a:prstGeom>
+          <a:noFill/>
+          <a:ln w="50800">
+            <a:solidFill>
+              <a:srgbClr val="FF5E00"/>
+            </a:solidFill>
+          </a:ln>
+        </p:spPr>
+        <p:style>
+          <a:lnRef idx="2">
+            <a:schemeClr val="accent1">
+              <a:shade val="50%"/>
+            </a:schemeClr>
+          </a:lnRef>
+          <a:fillRef idx="1">
+            <a:schemeClr val="accent1"/>
+          </a:fillRef>
+          <a:effectRef idx="0">
+            <a:schemeClr val="accent1"/>
+          </a:effectRef>
+          <a:fontRef idx="minor">
+            <a:schemeClr val="lt1"/>
+          </a:fontRef>
+        </p:style>
+        <p:txBody>
+          <a:bodyPr rtlCol="0" anchor="ctr"/>
+          <a:lstStyle/>
+          <a:p>
+            <a:pPr algn="ctr"/>
+            <a:endParaRPr lang="es-ES"/>
+          </a:p>
+        </p:txBody>
+      </p:sp>
+      <p:sp>
+        <p:nvSpPr>
+          <p:cNvPr id="47" name="Rectángulo 46">
+            <a:extLst>
+              <a:ext uri="{FF2B5EF4-FFF2-40B4-BE49-F238E27FC236}">
+                <a16:creationId xmlns:a16="http://schemas.microsoft.com/office/drawing/2014/main" id="{BC35C8FE-BF51-4A47-AF23-E87ADD35A1D9}"/>
+              </a:ext>
+            </a:extLst>
+          </p:cNvPr>
+          <p:cNvSpPr/>
+          <p:nvPr/>
+        </p:nvSpPr>
+        <p:spPr>
+          <a:xfrm rot="14485436">
+            <a:off x="5526874" y="5180513"/>
+            <a:ext cx="45719" cy="141175"/>
+          </a:xfrm>
+          <a:prstGeom prst="rect">
+            <a:avLst/>
+          </a:prstGeom>
+          <a:solidFill>
+            <a:srgbClr val="FF5E00"/>
+          </a:solidFill>
+          <a:ln>
+            <a:noFill/>
+          </a:ln>
+        </p:spPr>
+        <p:style>
+          <a:lnRef idx="2">
+            <a:schemeClr val="accent1">
+              <a:shade val="50%"/>
+            </a:schemeClr>
+          </a:lnRef>
+          <a:fillRef idx="1">
+            <a:schemeClr val="accent1"/>
+          </a:fillRef>
+          <a:effectRef idx="0">
+            <a:schemeClr val="accent1"/>
+          </a:effectRef>
+          <a:fontRef idx="minor">
+            <a:schemeClr val="lt1"/>
+          </a:fontRef>
+        </p:style>
+        <p:txBody>
+          <a:bodyPr rtlCol="0" anchor="ctr"/>
+          <a:lstStyle/>
+          <a:p>
+            <a:pPr algn="ctr"/>
+            <a:endParaRPr lang="es-ES"/>
+          </a:p>
+        </p:txBody>
+      </p:sp>
+      <p:sp>
+        <p:nvSpPr>
+          <p:cNvPr id="49" name="Elipse 48">
+            <a:extLst>
+              <a:ext uri="{FF2B5EF4-FFF2-40B4-BE49-F238E27FC236}">
+                <a16:creationId xmlns:a16="http://schemas.microsoft.com/office/drawing/2014/main" id="{86EE1938-788C-4B21-AE06-5E87638B3BB6}"/>
+              </a:ext>
+            </a:extLst>
+          </p:cNvPr>
+          <p:cNvSpPr/>
+          <p:nvPr/>
+        </p:nvSpPr>
+        <p:spPr>
+          <a:xfrm>
+            <a:off x="6583350" y="4187248"/>
+            <a:ext cx="608070" cy="608070"/>
+          </a:xfrm>
+          <a:prstGeom prst="ellipse">
+            <a:avLst/>
+          </a:prstGeom>
+          <a:noFill/>
+          <a:ln w="50800">
+            <a:solidFill>
+              <a:srgbClr val="FF5E00"/>
+            </a:solidFill>
+          </a:ln>
+        </p:spPr>
+        <p:style>
+          <a:lnRef idx="2">
+            <a:schemeClr val="accent1">
+              <a:shade val="50%"/>
+            </a:schemeClr>
+          </a:lnRef>
+          <a:fillRef idx="1">
+            <a:schemeClr val="accent1"/>
+          </a:fillRef>
+          <a:effectRef idx="0">
+            <a:schemeClr val="accent1"/>
+          </a:effectRef>
+          <a:fontRef idx="minor">
+            <a:schemeClr val="lt1"/>
+          </a:fontRef>
+        </p:style>
+        <p:txBody>
+          <a:bodyPr rtlCol="0" anchor="ctr"/>
+          <a:lstStyle/>
+          <a:p>
+            <a:pPr algn="ctr"/>
+            <a:endParaRPr lang="es-ES"/>
+          </a:p>
+        </p:txBody>
+      </p:sp>
+      <p:sp>
+        <p:nvSpPr>
+          <p:cNvPr id="56" name="Elipse 55">
+            <a:extLst>
+              <a:ext uri="{FF2B5EF4-FFF2-40B4-BE49-F238E27FC236}">
+                <a16:creationId xmlns:a16="http://schemas.microsoft.com/office/drawing/2014/main" id="{895046BB-A082-4779-B1C2-5A31C8CB0BBD}"/>
+              </a:ext>
+            </a:extLst>
+          </p:cNvPr>
+          <p:cNvSpPr/>
+          <p:nvPr/>
+        </p:nvSpPr>
+        <p:spPr>
+          <a:xfrm>
+            <a:off x="6671995" y="5134869"/>
+            <a:ext cx="608070" cy="608070"/>
+          </a:xfrm>
+          <a:prstGeom prst="ellipse">
+            <a:avLst/>
+          </a:prstGeom>
+          <a:noFill/>
+          <a:ln w="50800">
+            <a:solidFill>
+              <a:srgbClr val="FF5E00"/>
+            </a:solidFill>
+          </a:ln>
+        </p:spPr>
+        <p:style>
+          <a:lnRef idx="2">
+            <a:schemeClr val="accent1">
+              <a:shade val="50%"/>
+            </a:schemeClr>
+          </a:lnRef>
+          <a:fillRef idx="1">
+            <a:schemeClr val="accent1"/>
+          </a:fillRef>
+          <a:effectRef idx="0">
+            <a:schemeClr val="accent1"/>
+          </a:effectRef>
+          <a:fontRef idx="minor">
+            <a:schemeClr val="lt1"/>
+          </a:fontRef>
+        </p:style>
+        <p:txBody>
+          <a:bodyPr rtlCol="0" anchor="ctr"/>
+          <a:lstStyle/>
+          <a:p>
+            <a:pPr algn="ctr"/>
+            <a:endParaRPr lang="es-ES"/>
+          </a:p>
+        </p:txBody>
+      </p:sp>
+      <p:sp>
+        <p:nvSpPr>
+          <p:cNvPr id="59" name="Rectángulo 58">
+            <a:extLst>
+              <a:ext uri="{FF2B5EF4-FFF2-40B4-BE49-F238E27FC236}">
+                <a16:creationId xmlns:a16="http://schemas.microsoft.com/office/drawing/2014/main" id="{334C2A1F-FF25-49B6-9B95-2AD2D453715F}"/>
+              </a:ext>
+            </a:extLst>
+          </p:cNvPr>
+          <p:cNvSpPr/>
+          <p:nvPr/>
+        </p:nvSpPr>
+        <p:spPr>
+          <a:xfrm rot="3253036">
+            <a:off x="6538555" y="4626314"/>
+            <a:ext cx="45719" cy="141175"/>
+          </a:xfrm>
+          <a:prstGeom prst="rect">
+            <a:avLst/>
+          </a:prstGeom>
+          <a:solidFill>
+            <a:srgbClr val="FF5E00"/>
+          </a:solidFill>
+          <a:ln>
+            <a:noFill/>
+          </a:ln>
+        </p:spPr>
+        <p:style>
+          <a:lnRef idx="2">
+            <a:schemeClr val="accent1">
+              <a:shade val="50%"/>
+            </a:schemeClr>
+          </a:lnRef>
+          <a:fillRef idx="1">
+            <a:schemeClr val="accent1"/>
+          </a:fillRef>
+          <a:effectRef idx="0">
+            <a:schemeClr val="accent1"/>
+          </a:effectRef>
+          <a:fontRef idx="minor">
+            <a:schemeClr val="lt1"/>
+          </a:fontRef>
+        </p:style>
+        <p:txBody>
+          <a:bodyPr rtlCol="0" anchor="ctr"/>
+          <a:lstStyle/>
+          <a:p>
+            <a:pPr algn="ctr"/>
+            <a:endParaRPr lang="es-ES"/>
+          </a:p>
+        </p:txBody>
+      </p:sp>
+      <p:sp>
+        <p:nvSpPr>
+          <p:cNvPr id="60" name="Rectángulo 59">
+            <a:extLst>
+              <a:ext uri="{FF2B5EF4-FFF2-40B4-BE49-F238E27FC236}">
+                <a16:creationId xmlns:a16="http://schemas.microsoft.com/office/drawing/2014/main" id="{AA275875-6D7D-49D5-8D4D-80AE9671F05C}"/>
+              </a:ext>
+            </a:extLst>
+          </p:cNvPr>
+          <p:cNvSpPr/>
+          <p:nvPr/>
+        </p:nvSpPr>
+        <p:spPr>
+          <a:xfrm rot="7092496">
+            <a:off x="6610306" y="5194717"/>
+            <a:ext cx="45719" cy="141175"/>
+          </a:xfrm>
+          <a:prstGeom prst="rect">
+            <a:avLst/>
+          </a:prstGeom>
+          <a:solidFill>
+            <a:srgbClr val="FF5E00"/>
+          </a:solidFill>
+          <a:ln>
+            <a:noFill/>
+          </a:ln>
+        </p:spPr>
+        <p:style>
+          <a:lnRef idx="2">
+            <a:schemeClr val="accent1">
+              <a:shade val="50%"/>
+            </a:schemeClr>
+          </a:lnRef>
+          <a:fillRef idx="1">
+            <a:schemeClr val="accent1"/>
+          </a:fillRef>
+          <a:effectRef idx="0">
+            <a:schemeClr val="accent1"/>
+          </a:effectRef>
+          <a:fontRef idx="minor">
+            <a:schemeClr val="lt1"/>
+          </a:fontRef>
+        </p:style>
+        <p:txBody>
+          <a:bodyPr rtlCol="0" anchor="ctr"/>
+          <a:lstStyle/>
+          <a:p>
+            <a:pPr algn="ctr"/>
+            <a:endParaRPr lang="es-ES"/>
+          </a:p>
+        </p:txBody>
+      </p:sp>
+    </p:spTree>
+    <p:extLst>
+      <p:ext uri="{BB962C8B-B14F-4D97-AF65-F5344CB8AC3E}">
+        <p14:creationId xmlns:p14="http://schemas.microsoft.com/office/powerpoint/2010/main" val="2141053226"/>
+      </p:ext>
+    </p:extLst>
+  </p:cSld>
+  <p:clrMapOvr>
+    <a:masterClrMapping/>
+  </p:clrMapOvr>
+</p:sld>
+</file>
+
+<file path=ppt/slides/slide4.xml><?xml version="1.0" encoding="utf-8"?>
 <p:sld xmlns:a="http://purl.oclc.org/ooxml/drawingml/main" xmlns:r="http://purl.oclc.org/ooxml/officeDocument/relationships" xmlns:p="http://purl.oclc.org/ooxml/presentationml/main">
   <p:cSld>
     <p:spTree>

--- a/docs/presentation/EDocs_presentation_short.pptx
+++ b/docs/presentation/EDocs_presentation_short.pptx
@@ -3645,7 +3645,7 @@
             </a:pPr>
             <a:r>
               <a:rPr lang="en-US" sz="2400" dirty="0"/>
-              <a:t>Any legal document ends, at the end, into a database, so, why do we need them in paper? </a:t>
+              <a:t>Some downloaded documents are printed, filled, send and type into a database, so, why do we need them in paper? </a:t>
             </a:r>
           </a:p>
           <a:p>
@@ -3654,13 +3654,8 @@
             </a:pPr>
             <a:r>
               <a:rPr lang="en-US" sz="2400" dirty="0"/>
-              <a:t>Paper work is tedious, slow and expensive but, if </a:t>
-            </a:r>
-            <a:r>
-              <a:rPr lang="en-US" sz="2400"/>
-              <a:t>it is digital…</a:t>
-            </a:r>
-            <a:endParaRPr lang="en-US" sz="2400" dirty="0"/>
+              <a:t>Paper work is tedious, slow and expensive but, if it is digital…</a:t>
+            </a:r>
           </a:p>
           <a:p>
             <a:pPr marL="0" indent="0" algn="just">
@@ -4724,10 +4719,6 @@
               <a:buNone/>
             </a:pPr>
             <a:r>
-              <a:rPr lang="en-US" sz="2400" dirty="0"/>
-              <a:t>With </a:t>
-            </a:r>
-            <a:r>
               <a:rPr lang="en-US" sz="2400" b="1" dirty="0">
                 <a:solidFill>
                   <a:srgbClr val="FF5E00"/>
@@ -4737,13 +4728,17 @@
             </a:r>
             <a:r>
               <a:rPr lang="en-US" sz="2400" dirty="0"/>
-              <a:t> you can sign documents and request to receive a signed response.</a:t>
+              <a:t> allows you to decide from who can you receive documents.</a:t>
             </a:r>
           </a:p>
           <a:p>
             <a:pPr marL="0" indent="0" algn="just">
               <a:buNone/>
             </a:pPr>
+            <a:r>
+              <a:rPr lang="en-US" sz="2400" dirty="0"/>
+              <a:t>With </a:t>
+            </a:r>
             <a:r>
               <a:rPr lang="en-US" sz="2400" b="1" dirty="0">
                 <a:solidFill>
@@ -4754,7 +4749,7 @@
             </a:r>
             <a:r>
               <a:rPr lang="en-US" sz="2400" dirty="0"/>
-              <a:t> allows you to decide from who can you receive documents.</a:t>
+              <a:t> you can sign documents and request to receive a signed response.</a:t>
             </a:r>
           </a:p>
           <a:p>
@@ -4788,13 +4783,8 @@
             </a:r>
             <a:r>
               <a:rPr lang="en-US" sz="2400" dirty="0"/>
-              <a:t>has multiple API’s that allows to deal with large amount </a:t>
-            </a:r>
-            <a:r>
-              <a:rPr lang="en-US" sz="2400"/>
-              <a:t>of transactions.</a:t>
-            </a:r>
-            <a:endParaRPr lang="en-US" sz="2400" dirty="0"/>
+              <a:t>has multiple API’s that allows to deal with large amount of transactions.</a:t>
+            </a:r>
           </a:p>
         </p:txBody>
       </p:sp>
@@ -6390,10 +6380,10 @@
       </p:sp>
       <p:grpSp>
         <p:nvGrpSpPr>
-          <p:cNvPr id="18" name="Grupo 17">
+          <p:cNvPr id="41" name="Grupo 40">
             <a:extLst>
               <a:ext uri="{FF2B5EF4-FFF2-40B4-BE49-F238E27FC236}">
-                <a16:creationId xmlns:a16="http://schemas.microsoft.com/office/drawing/2014/main" id="{8146C0BD-CE06-43CC-A0A4-E303D3C52BED}"/>
+                <a16:creationId xmlns:a16="http://schemas.microsoft.com/office/drawing/2014/main" id="{59FF3C1D-9E4B-44B6-A968-7F3CB458FE70}"/>
               </a:ext>
             </a:extLst>
           </p:cNvPr>
@@ -6402,18 +6392,54 @@
         </p:nvGrpSpPr>
         <p:grpSpPr>
           <a:xfrm>
-            <a:off x="3271310" y="5194296"/>
-            <a:ext cx="5649380" cy="1213841"/>
-            <a:chOff x="4291501" y="5238791"/>
-            <a:chExt cx="5649380" cy="1213841"/>
+            <a:off x="3846074" y="5194296"/>
+            <a:ext cx="4490856" cy="1213841"/>
+            <a:chOff x="3459064" y="5584720"/>
+            <a:chExt cx="4490856" cy="1213841"/>
           </a:xfrm>
         </p:grpSpPr>
+        <p:pic>
+          <p:nvPicPr>
+            <p:cNvPr id="43" name="Imagen 42">
+              <a:extLst>
+                <a:ext uri="{FF2B5EF4-FFF2-40B4-BE49-F238E27FC236}">
+                  <a16:creationId xmlns:a16="http://schemas.microsoft.com/office/drawing/2014/main" id="{AB42CEDF-DC69-40C2-94C8-46B8587A2D2C}"/>
+                </a:ext>
+              </a:extLst>
+            </p:cNvPr>
+            <p:cNvPicPr>
+              <a:picLocks noChangeAspect="1"/>
+            </p:cNvPicPr>
+            <p:nvPr/>
+          </p:nvPicPr>
+          <p:blipFill>
+            <a:blip r:embed="rId10">
+              <a:extLst>
+                <a:ext uri="{28A0092B-C50C-407E-A947-70E740481C1C}">
+                  <a14:useLocalDpi xmlns:a14="http://schemas.microsoft.com/office/drawing/2010/main" val="0"/>
+                </a:ext>
+              </a:extLst>
+            </a:blip>
+            <a:stretch>
+              <a:fillRect/>
+            </a:stretch>
+          </p:blipFill>
+          <p:spPr>
+            <a:xfrm>
+              <a:off x="6736079" y="5584720"/>
+              <a:ext cx="1213841" cy="1213841"/>
+            </a:xfrm>
+            <a:prstGeom prst="rect">
+              <a:avLst/>
+            </a:prstGeom>
+          </p:spPr>
+        </p:pic>
         <p:grpSp>
           <p:nvGrpSpPr>
-            <p:cNvPr id="41" name="Grupo 40">
+            <p:cNvPr id="47" name="Grupo 46">
               <a:extLst>
                 <a:ext uri="{FF2B5EF4-FFF2-40B4-BE49-F238E27FC236}">
-                  <a16:creationId xmlns:a16="http://schemas.microsoft.com/office/drawing/2014/main" id="{59FF3C1D-9E4B-44B6-A968-7F3CB458FE70}"/>
+                  <a16:creationId xmlns:a16="http://schemas.microsoft.com/office/drawing/2014/main" id="{B981D5E4-3F13-48E3-AFBC-1008BAC3DCFE}"/>
                 </a:ext>
               </a:extLst>
             </p:cNvPr>
@@ -6422,18 +6448,18 @@
           </p:nvGrpSpPr>
           <p:grpSpPr>
             <a:xfrm>
-              <a:off x="4291501" y="5238791"/>
-              <a:ext cx="4490856" cy="1213841"/>
-              <a:chOff x="3459064" y="5584720"/>
-              <a:chExt cx="4490856" cy="1213841"/>
+              <a:off x="3459064" y="5772145"/>
+              <a:ext cx="3112404" cy="838993"/>
+              <a:chOff x="3459064" y="5772145"/>
+              <a:chExt cx="3112404" cy="838993"/>
             </a:xfrm>
           </p:grpSpPr>
           <p:pic>
             <p:nvPicPr>
-              <p:cNvPr id="43" name="Imagen 42">
+              <p:cNvPr id="50" name="Imagen 49">
                 <a:extLst>
                   <a:ext uri="{FF2B5EF4-FFF2-40B4-BE49-F238E27FC236}">
-                    <a16:creationId xmlns:a16="http://schemas.microsoft.com/office/drawing/2014/main" id="{AB42CEDF-DC69-40C2-94C8-46B8587A2D2C}"/>
+                    <a16:creationId xmlns:a16="http://schemas.microsoft.com/office/drawing/2014/main" id="{20907EB6-CADB-414F-A45C-470B388AC7B7}"/>
                   </a:ext>
                 </a:extLst>
               </p:cNvPr>
@@ -6443,7 +6469,7 @@
               <p:nvPr/>
             </p:nvPicPr>
             <p:blipFill>
-              <a:blip r:embed="rId10">
+              <a:blip r:embed="rId11">
                 <a:extLst>
                   <a:ext uri="{28A0092B-C50C-407E-A947-70E740481C1C}">
                     <a14:useLocalDpi xmlns:a14="http://schemas.microsoft.com/office/drawing/2010/main" val="0"/>
@@ -6456,189 +6482,87 @@
             </p:blipFill>
             <p:spPr>
               <a:xfrm>
-                <a:off x="6736079" y="5584720"/>
-                <a:ext cx="1213841" cy="1213841"/>
+                <a:off x="3459064" y="5805488"/>
+                <a:ext cx="772308" cy="772308"/>
               </a:xfrm>
               <a:prstGeom prst="rect">
                 <a:avLst/>
               </a:prstGeom>
             </p:spPr>
           </p:pic>
-          <p:grpSp>
-            <p:nvGrpSpPr>
-              <p:cNvPr id="47" name="Grupo 46">
+          <p:pic>
+            <p:nvPicPr>
+              <p:cNvPr id="51" name="Imagen 50">
                 <a:extLst>
                   <a:ext uri="{FF2B5EF4-FFF2-40B4-BE49-F238E27FC236}">
-                    <a16:creationId xmlns:a16="http://schemas.microsoft.com/office/drawing/2014/main" id="{B981D5E4-3F13-48E3-AFBC-1008BAC3DCFE}"/>
+                    <a16:creationId xmlns:a16="http://schemas.microsoft.com/office/drawing/2014/main" id="{3802E0D4-6CFE-43EA-8E80-95BCDAE1A987}"/>
                   </a:ext>
                 </a:extLst>
               </p:cNvPr>
-              <p:cNvGrpSpPr/>
+              <p:cNvPicPr>
+                <a:picLocks noChangeAspect="1"/>
+              </p:cNvPicPr>
               <p:nvPr/>
-            </p:nvGrpSpPr>
-            <p:grpSpPr>
+            </p:nvPicPr>
+            <p:blipFill>
+              <a:blip r:embed="rId12">
+                <a:extLst>
+                  <a:ext uri="{28A0092B-C50C-407E-A947-70E740481C1C}">
+                    <a14:useLocalDpi xmlns:a14="http://schemas.microsoft.com/office/drawing/2010/main" val="0"/>
+                  </a:ext>
+                </a:extLst>
+              </a:blip>
+              <a:stretch>
+                <a:fillRect/>
+              </a:stretch>
+            </p:blipFill>
+            <p:spPr>
               <a:xfrm>
-                <a:off x="3459064" y="5772145"/>
-                <a:ext cx="3112404" cy="838993"/>
-                <a:chOff x="3459064" y="5772145"/>
-                <a:chExt cx="3112404" cy="838993"/>
+                <a:off x="5904383" y="5837523"/>
+                <a:ext cx="667085" cy="772414"/>
               </a:xfrm>
-            </p:grpSpPr>
-            <p:pic>
-              <p:nvPicPr>
-                <p:cNvPr id="50" name="Imagen 49">
-                  <a:extLst>
-                    <a:ext uri="{FF2B5EF4-FFF2-40B4-BE49-F238E27FC236}">
-                      <a16:creationId xmlns:a16="http://schemas.microsoft.com/office/drawing/2014/main" id="{20907EB6-CADB-414F-A45C-470B388AC7B7}"/>
-                    </a:ext>
-                  </a:extLst>
-                </p:cNvPr>
-                <p:cNvPicPr>
-                  <a:picLocks noChangeAspect="1"/>
-                </p:cNvPicPr>
-                <p:nvPr/>
-              </p:nvPicPr>
-              <p:blipFill>
-                <a:blip r:embed="rId11">
-                  <a:extLst>
-                    <a:ext uri="{28A0092B-C50C-407E-A947-70E740481C1C}">
-                      <a14:useLocalDpi xmlns:a14="http://schemas.microsoft.com/office/drawing/2010/main" val="0"/>
-                    </a:ext>
-                  </a:extLst>
-                </a:blip>
-                <a:stretch>
-                  <a:fillRect/>
-                </a:stretch>
-              </p:blipFill>
-              <p:spPr>
-                <a:xfrm>
-                  <a:off x="3459064" y="5805488"/>
-                  <a:ext cx="772308" cy="772308"/>
-                </a:xfrm>
-                <a:prstGeom prst="rect">
-                  <a:avLst/>
-                </a:prstGeom>
-              </p:spPr>
-            </p:pic>
-            <p:pic>
-              <p:nvPicPr>
-                <p:cNvPr id="51" name="Imagen 50">
-                  <a:extLst>
-                    <a:ext uri="{FF2B5EF4-FFF2-40B4-BE49-F238E27FC236}">
-                      <a16:creationId xmlns:a16="http://schemas.microsoft.com/office/drawing/2014/main" id="{3802E0D4-6CFE-43EA-8E80-95BCDAE1A987}"/>
-                    </a:ext>
-                  </a:extLst>
-                </p:cNvPr>
-                <p:cNvPicPr>
-                  <a:picLocks noChangeAspect="1"/>
-                </p:cNvPicPr>
-                <p:nvPr/>
-              </p:nvPicPr>
-              <p:blipFill>
-                <a:blip r:embed="rId12">
-                  <a:extLst>
-                    <a:ext uri="{28A0092B-C50C-407E-A947-70E740481C1C}">
-                      <a14:useLocalDpi xmlns:a14="http://schemas.microsoft.com/office/drawing/2010/main" val="0"/>
-                    </a:ext>
-                  </a:extLst>
-                </a:blip>
-                <a:stretch>
-                  <a:fillRect/>
-                </a:stretch>
-              </p:blipFill>
-              <p:spPr>
-                <a:xfrm>
-                  <a:off x="5904383" y="5837523"/>
-                  <a:ext cx="667085" cy="772414"/>
-                </a:xfrm>
-                <a:prstGeom prst="rect">
-                  <a:avLst/>
-                </a:prstGeom>
-              </p:spPr>
-            </p:pic>
-            <p:pic>
-              <p:nvPicPr>
-                <p:cNvPr id="52" name="Imagen 51">
-                  <a:extLst>
-                    <a:ext uri="{FF2B5EF4-FFF2-40B4-BE49-F238E27FC236}">
-                      <a16:creationId xmlns:a16="http://schemas.microsoft.com/office/drawing/2014/main" id="{326EBBFA-57F0-4A73-AC56-8D57781C0D12}"/>
-                    </a:ext>
-                  </a:extLst>
-                </p:cNvPr>
-                <p:cNvPicPr>
-                  <a:picLocks noChangeAspect="1"/>
-                </p:cNvPicPr>
-                <p:nvPr/>
-              </p:nvPicPr>
-              <p:blipFill>
-                <a:blip r:embed="rId13">
-                  <a:extLst>
-                    <a:ext uri="{28A0092B-C50C-407E-A947-70E740481C1C}">
-                      <a14:useLocalDpi xmlns:a14="http://schemas.microsoft.com/office/drawing/2010/main" val="0"/>
-                    </a:ext>
-                  </a:extLst>
-                </a:blip>
-                <a:stretch>
-                  <a:fillRect/>
-                </a:stretch>
-              </p:blipFill>
-              <p:spPr>
-                <a:xfrm>
-                  <a:off x="4648381" y="5772145"/>
-                  <a:ext cx="838993" cy="838993"/>
-                </a:xfrm>
-                <a:prstGeom prst="rect">
-                  <a:avLst/>
-                </a:prstGeom>
-              </p:spPr>
-            </p:pic>
-          </p:grpSp>
+              <a:prstGeom prst="rect">
+                <a:avLst/>
+              </a:prstGeom>
+            </p:spPr>
+          </p:pic>
+          <p:pic>
+            <p:nvPicPr>
+              <p:cNvPr id="52" name="Imagen 51">
+                <a:extLst>
+                  <a:ext uri="{FF2B5EF4-FFF2-40B4-BE49-F238E27FC236}">
+                    <a16:creationId xmlns:a16="http://schemas.microsoft.com/office/drawing/2014/main" id="{326EBBFA-57F0-4A73-AC56-8D57781C0D12}"/>
+                  </a:ext>
+                </a:extLst>
+              </p:cNvPr>
+              <p:cNvPicPr>
+                <a:picLocks noChangeAspect="1"/>
+              </p:cNvPicPr>
+              <p:nvPr/>
+            </p:nvPicPr>
+            <p:blipFill>
+              <a:blip r:embed="rId13">
+                <a:extLst>
+                  <a:ext uri="{28A0092B-C50C-407E-A947-70E740481C1C}">
+                    <a14:useLocalDpi xmlns:a14="http://schemas.microsoft.com/office/drawing/2010/main" val="0"/>
+                  </a:ext>
+                </a:extLst>
+              </a:blip>
+              <a:stretch>
+                <a:fillRect/>
+              </a:stretch>
+            </p:blipFill>
+            <p:spPr>
+              <a:xfrm>
+                <a:off x="4648381" y="5772145"/>
+                <a:ext cx="838993" cy="838993"/>
+              </a:xfrm>
+              <a:prstGeom prst="rect">
+                <a:avLst/>
+              </a:prstGeom>
+            </p:spPr>
+          </p:pic>
         </p:grpSp>
-        <p:pic>
-          <p:nvPicPr>
-            <p:cNvPr id="1038" name="Picture 14" descr="Resultado de imagen de php 7 icon">
-              <a:extLst>
-                <a:ext uri="{FF2B5EF4-FFF2-40B4-BE49-F238E27FC236}">
-                  <a16:creationId xmlns:a16="http://schemas.microsoft.com/office/drawing/2014/main" id="{7ADE8C09-AB4C-47E3-B462-B8B13C95F0E4}"/>
-                </a:ext>
-              </a:extLst>
-            </p:cNvPr>
-            <p:cNvPicPr>
-              <a:picLocks noChangeAspect="1" noChangeArrowheads="1"/>
-            </p:cNvPicPr>
-            <p:nvPr/>
-          </p:nvPicPr>
-          <p:blipFill rotWithShape="1">
-            <a:blip r:embed="rId14">
-              <a:extLst>
-                <a:ext uri="{28A0092B-C50C-407E-A947-70E740481C1C}">
-                  <a14:useLocalDpi xmlns:a14="http://schemas.microsoft.com/office/drawing/2010/main" val="0"/>
-                </a:ext>
-              </a:extLst>
-            </a:blip>
-            <a:srcRect l="28.819%" t="23.848%" r="30.038%" b="15.612%"/>
-            <a:stretch/>
-          </p:blipFill>
-          <p:spPr bwMode="auto">
-            <a:xfrm>
-              <a:off x="8894630" y="5491594"/>
-              <a:ext cx="1046251" cy="854438"/>
-            </a:xfrm>
-            <a:prstGeom prst="rect">
-              <a:avLst/>
-            </a:prstGeom>
-            <a:noFill/>
-            <a:extLst>
-              <a:ext uri="{909E8E84-426E-40DD-AFC4-6F175D3DCCD1}">
-                <a14:hiddenFill xmlns:a14="http://schemas.microsoft.com/office/drawing/2010/main">
-                  <a:solidFill>
-                    <a:srgbClr val="FFFFFF"/>
-                  </a:solidFill>
-                </a14:hiddenFill>
-              </a:ext>
-            </a:extLst>
-          </p:spPr>
-        </p:pic>
       </p:grpSp>
     </p:spTree>
     <p:extLst>
